--- a/files/course_material/reinforcement-learning/PPT/Lecture4.pptx
+++ b/files/course_material/reinforcement-learning/PPT/Lecture4.pptx
@@ -251,7 +251,7 @@
           <a:p>
             <a:fld id="{D1D9D5B2-5D7A-4763-8DB5-E223CE43EB7B}" type="datetimeFigureOut">
               <a:rPr lang="zh-TW" altLang="en-US" smtClean="0"/>
-              <a:t>2022/4/6</a:t>
+              <a:t>2022/4/30</a:t>
             </a:fld>
             <a:endParaRPr lang="zh-TW" altLang="en-US"/>
           </a:p>
@@ -416,7 +416,7 @@
           <a:p>
             <a:fld id="{5C6EDD7B-3C59-42F5-83C0-F26EC9B997CE}" type="datetimeFigureOut">
               <a:rPr lang="zh-TW" altLang="en-US" smtClean="0"/>
-              <a:t>2022/4/6</a:t>
+              <a:t>2022/4/30</a:t>
             </a:fld>
             <a:endParaRPr lang="zh-TW" altLang="en-US"/>
           </a:p>
@@ -3764,52 +3764,39 @@
         <p:spPr/>
         <p:txBody>
           <a:bodyPr>
-            <a:normAutofit fontScale="77500" lnSpcReduction="20000"/>
+            <a:normAutofit/>
           </a:bodyPr>
           <a:lstStyle/>
           <a:p>
             <a:r>
+              <a:rPr lang="en-US" altLang="zh-TW" dirty="0" smtClean="0"/>
+              <a:t>Chia-Yi </a:t>
+            </a:r>
+            <a:r>
               <a:rPr lang="en-US" altLang="zh-TW" dirty="0"/>
-              <a:t>Lecturer: Chia-Yi Su</a:t>
-            </a:r>
-          </a:p>
-          <a:p>
+              <a:t>Su</a:t>
+            </a:r>
+          </a:p>
+          <a:p>
+            <a:r>
+              <a:rPr lang="en-US" altLang="zh-TW" dirty="0" smtClean="0"/>
+              <a:t>Department </a:t>
+            </a:r>
             <a:r>
               <a:rPr lang="en-US" altLang="zh-TW" dirty="0"/>
-              <a:t>Advisor: Prof. </a:t>
-            </a:r>
-            <a:r>
-              <a:rPr lang="en-US" altLang="zh-TW" dirty="0" err="1"/>
-              <a:t>Tsong</a:t>
-            </a:r>
+              <a:t>of Electronic Engineering</a:t>
+            </a:r>
+          </a:p>
+          <a:p>
             <a:r>
               <a:rPr lang="en-US" altLang="zh-TW" dirty="0"/>
-              <a:t>-Yi Chen</a:t>
-            </a:r>
-          </a:p>
-          <a:p>
-            <a:r>
-              <a:rPr lang="en-US" altLang="zh-TW" dirty="0"/>
-              <a:t>Department of Electronic Engineering</a:t>
-            </a:r>
-          </a:p>
-          <a:p>
-            <a:r>
-              <a:rPr lang="en-US" altLang="zh-TW" dirty="0"/>
-              <a:t>National Kaohsiung University of Science and Technology</a:t>
-            </a:r>
-          </a:p>
-          <a:p>
-            <a:r>
-              <a:rPr lang="en-US" altLang="zh-TW" dirty="0">
-                <a:hlinkClick r:id="rId2"/>
-              </a:rPr>
-              <a:t>https://github.com/chiayisu/Natural-Language-Processing-Fall-2021</a:t>
+              <a:t>National Kaohsiung University of Science and </a:t>
+            </a:r>
+            <a:r>
+              <a:rPr lang="en-US" altLang="zh-TW" dirty="0" smtClean="0"/>
+              <a:t>Technology</a:t>
             </a:r>
             <a:endParaRPr lang="en-US" altLang="zh-TW" dirty="0"/>
-          </a:p>
-          <a:p>
-            <a:endParaRPr lang="zh-TW" altLang="en-US" dirty="0"/>
           </a:p>
         </p:txBody>
       </p:sp>
@@ -8969,7 +8956,7 @@
         <p:spPr/>
         <p:txBody>
           <a:bodyPr>
-            <a:normAutofit lnSpcReduction="10000"/>
+            <a:normAutofit/>
           </a:bodyPr>
           <a:lstStyle/>
           <a:p>
@@ -9069,29 +9056,6 @@
               <a:rPr lang="en-US" altLang="zh-TW" dirty="0" smtClean="0"/>
               <a:t>Policy Gradient</a:t>
             </a:r>
-          </a:p>
-          <a:p>
-            <a:r>
-              <a:rPr lang="en-US" altLang="zh-TW" dirty="0" smtClean="0"/>
-              <a:t>Actor-Critic Algorithm</a:t>
-            </a:r>
-          </a:p>
-          <a:p>
-            <a:r>
-              <a:rPr lang="en-US" altLang="zh-TW" dirty="0" smtClean="0"/>
-              <a:t>Dialog System (Including </a:t>
-            </a:r>
-            <a:r>
-              <a:rPr lang="en-US" altLang="zh-TW" dirty="0" err="1" smtClean="0"/>
-              <a:t>MultiModal</a:t>
-            </a:r>
-            <a:r>
-              <a:rPr lang="en-US" altLang="zh-TW" dirty="0" smtClean="0"/>
-              <a:t> Dialog System)</a:t>
-            </a:r>
-          </a:p>
-          <a:p>
-            <a:endParaRPr lang="en-US" altLang="zh-TW" dirty="0" smtClean="0"/>
           </a:p>
         </p:txBody>
       </p:sp>
@@ -11838,8 +11802,8 @@
           </a:p>
         </p:txBody>
       </p:sp>
-      <mc:AlternateContent xmlns:mc="http://schemas.openxmlformats.org/markup-compatibility/2006">
-        <mc:Choice xmlns:a14="http://schemas.microsoft.com/office/drawing/2010/main" Requires="a14">
+      <mc:AlternateContent xmlns:mc="http://schemas.openxmlformats.org/markup-compatibility/2006" xmlns:a14="http://schemas.microsoft.com/office/drawing/2010/main">
+        <mc:Choice Requires="a14">
           <p:sp>
             <p:nvSpPr>
               <p:cNvPr id="3" name="內容版面配置區 2"/>
@@ -12994,7 +12958,7 @@
             </p:txBody>
           </p:sp>
         </mc:Choice>
-        <mc:Fallback>
+        <mc:Fallback xmlns="">
           <p:sp>
             <p:nvSpPr>
               <p:cNvPr id="3" name="內容版面配置區 2"/>
@@ -21692,8 +21656,12 @@
           <a:lstStyle/>
           <a:p>
             <a:r>
+              <a:rPr lang="en-US" smtClean="0"/>
+              <a:t>Silver, Introduction</a:t>
+            </a:r>
+            <a:r>
               <a:rPr lang="en-US" dirty="0"/>
-              <a:t>Introduction to Reinforcement Learning with David Silver, DeepMind x UCL.</a:t>
+              <a:t> to Reinforcement Learning with David Silver, DeepMind x UCL.</a:t>
             </a:r>
           </a:p>
           <a:p>
